--- a/LonPSUGPresentation.pptx
+++ b/LonPSUGPresentation.pptx
@@ -362,7 +362,7 @@
               <a:pPr>
                 <a:defRPr/>
               </a:pPr>
-              <a:t>2/15/2018</a:t>
+              <a:t>5/24/2018</a:t>
             </a:fld>
             <a:endParaRPr/>
           </a:p>
@@ -498,14 +498,14 @@
           </a:effectLst>
           <a:extLst>
             <a:ext uri="{909E8E84-426E-40dd-AFC4-6F175D3DCCD1}">
-              <a14:hiddenFill xmlns:a14="http://schemas.microsoft.com/office/drawing/2010/main" xmlns="">
+              <a14:hiddenFill xmlns="" xmlns:a14="http://schemas.microsoft.com/office/drawing/2010/main">
                 <a:solidFill>
                   <a:srgbClr val="FFFFFF"/>
                 </a:solidFill>
               </a14:hiddenFill>
             </a:ext>
             <a:ext uri="{91240B29-F687-4f45-9708-019B960494DF}">
-              <a14:hiddenLine xmlns:a14="http://schemas.microsoft.com/office/drawing/2010/main" xmlns="" w="9525">
+              <a14:hiddenLine xmlns="" xmlns:a14="http://schemas.microsoft.com/office/drawing/2010/main" w="9525">
                 <a:solidFill>
                   <a:srgbClr val="000000"/>
                 </a:solidFill>
@@ -640,7 +640,7 @@
               <a:pPr>
                 <a:defRPr/>
               </a:pPr>
-              <a:t>2/15/2018</a:t>
+              <a:t>5/24/2018</a:t>
             </a:fld>
             <a:endParaRPr/>
           </a:p>
@@ -979,14 +979,14 @@
           </a:effectLst>
           <a:extLst>
             <a:ext uri="{909E8E84-426E-40dd-AFC4-6F175D3DCCD1}">
-              <a14:hiddenFill xmlns:a14="http://schemas.microsoft.com/office/drawing/2010/main" xmlns="">
+              <a14:hiddenFill xmlns="" xmlns:a14="http://schemas.microsoft.com/office/drawing/2010/main">
                 <a:solidFill>
                   <a:srgbClr val="FFFFFF"/>
                 </a:solidFill>
               </a14:hiddenFill>
             </a:ext>
             <a:ext uri="{91240B29-F687-4f45-9708-019B960494DF}">
-              <a14:hiddenLine xmlns:a14="http://schemas.microsoft.com/office/drawing/2010/main" xmlns="" w="9525">
+              <a14:hiddenLine xmlns="" xmlns:a14="http://schemas.microsoft.com/office/drawing/2010/main" w="9525">
                 <a:solidFill>
                   <a:srgbClr val="000000"/>
                 </a:solidFill>
@@ -1571,7 +1571,7 @@
             </a:pPr>
             <a:r>
               <a:rPr lang="en-US" dirty="0"/>
-              <a:t>SolarWinds</a:t>
+              <a:t>OMS</a:t>
             </a:r>
           </a:p>
           <a:p>
@@ -2443,17 +2443,17 @@
           </a:ln>
           <a:extLst>
             <a:ext uri="{FAA26D3D-D897-4be2-8F04-BA451C77F1D7}">
-              <ma14:placeholderFlag xmlns="" xmlns:ma14="http://schemas.microsoft.com/office/mac/drawingml/2011/main" val="1"/>
+              <ma14:placeholderFlag xmlns:ma14="http://schemas.microsoft.com/office/mac/drawingml/2011/main" xmlns="" val="1"/>
             </a:ext>
             <a:ext uri="{909E8E84-426E-40dd-AFC4-6F175D3DCCD1}">
-              <a14:hiddenFill xmlns:a14="http://schemas.microsoft.com/office/drawing/2010/main" xmlns="">
+              <a14:hiddenFill xmlns="" xmlns:a14="http://schemas.microsoft.com/office/drawing/2010/main">
                 <a:solidFill>
                   <a:srgbClr val="FFFFFF"/>
                 </a:solidFill>
               </a14:hiddenFill>
             </a:ext>
             <a:ext uri="{91240B29-F687-4f45-9708-019B960494DF}">
-              <a14:hiddenLine xmlns:a14="http://schemas.microsoft.com/office/drawing/2010/main" xmlns="" w="9525">
+              <a14:hiddenLine xmlns="" xmlns:a14="http://schemas.microsoft.com/office/drawing/2010/main" w="9525">
                 <a:solidFill>
                   <a:srgbClr val="000000"/>
                 </a:solidFill>
@@ -2933,17 +2933,17 @@
           </a:ln>
           <a:extLst>
             <a:ext uri="{FAA26D3D-D897-4be2-8F04-BA451C77F1D7}">
-              <ma14:placeholderFlag xmlns="" xmlns:ma14="http://schemas.microsoft.com/office/mac/drawingml/2011/main" val="1"/>
+              <ma14:placeholderFlag xmlns:ma14="http://schemas.microsoft.com/office/mac/drawingml/2011/main" xmlns="" val="1"/>
             </a:ext>
             <a:ext uri="{909E8E84-426E-40dd-AFC4-6F175D3DCCD1}">
-              <a14:hiddenFill xmlns:a14="http://schemas.microsoft.com/office/drawing/2010/main" xmlns="">
+              <a14:hiddenFill xmlns="" xmlns:a14="http://schemas.microsoft.com/office/drawing/2010/main">
                 <a:solidFill>
                   <a:srgbClr val="FFFFFF"/>
                 </a:solidFill>
               </a14:hiddenFill>
             </a:ext>
             <a:ext uri="{91240B29-F687-4f45-9708-019B960494DF}">
-              <a14:hiddenLine xmlns:a14="http://schemas.microsoft.com/office/drawing/2010/main" xmlns="" w="9525">
+              <a14:hiddenLine xmlns="" xmlns:a14="http://schemas.microsoft.com/office/drawing/2010/main" w="9525">
                 <a:solidFill>
                   <a:srgbClr val="000000"/>
                 </a:solidFill>
@@ -3413,17 +3413,17 @@
           </a:ln>
           <a:extLst>
             <a:ext uri="{FAA26D3D-D897-4be2-8F04-BA451C77F1D7}">
-              <ma14:placeholderFlag xmlns="" xmlns:ma14="http://schemas.microsoft.com/office/mac/drawingml/2011/main" val="1"/>
+              <ma14:placeholderFlag xmlns:ma14="http://schemas.microsoft.com/office/mac/drawingml/2011/main" xmlns="" val="1"/>
             </a:ext>
             <a:ext uri="{909E8E84-426E-40dd-AFC4-6F175D3DCCD1}">
-              <a14:hiddenFill xmlns:a14="http://schemas.microsoft.com/office/drawing/2010/main" xmlns="">
+              <a14:hiddenFill xmlns="" xmlns:a14="http://schemas.microsoft.com/office/drawing/2010/main">
                 <a:solidFill>
                   <a:srgbClr val="FFFFFF"/>
                 </a:solidFill>
               </a14:hiddenFill>
             </a:ext>
             <a:ext uri="{91240B29-F687-4f45-9708-019B960494DF}">
-              <a14:hiddenLine xmlns:a14="http://schemas.microsoft.com/office/drawing/2010/main" xmlns="" w="9525">
+              <a14:hiddenLine xmlns="" xmlns:a14="http://schemas.microsoft.com/office/drawing/2010/main" w="9525">
                 <a:solidFill>
                   <a:srgbClr val="000000"/>
                 </a:solidFill>
@@ -3692,14 +3692,14 @@
           </a:ln>
           <a:extLst>
             <a:ext uri="{909E8E84-426E-40dd-AFC4-6F175D3DCCD1}">
-              <a14:hiddenFill xmlns:a14="http://schemas.microsoft.com/office/drawing/2010/main" xmlns="">
+              <a14:hiddenFill xmlns="" xmlns:a14="http://schemas.microsoft.com/office/drawing/2010/main">
                 <a:solidFill>
                   <a:srgbClr val="FFFFFF"/>
                 </a:solidFill>
               </a14:hiddenFill>
             </a:ext>
             <a:ext uri="{91240B29-F687-4f45-9708-019B960494DF}">
-              <a14:hiddenLine xmlns:a14="http://schemas.microsoft.com/office/drawing/2010/main" xmlns="" w="9525">
+              <a14:hiddenLine xmlns="" xmlns:a14="http://schemas.microsoft.com/office/drawing/2010/main" w="9525">
                 <a:solidFill>
                   <a:srgbClr val="000000"/>
                 </a:solidFill>
@@ -4067,17 +4067,17 @@
           </a:ln>
           <a:extLst>
             <a:ext uri="{FAA26D3D-D897-4be2-8F04-BA451C77F1D7}">
-              <ma14:placeholderFlag xmlns="" xmlns:ma14="http://schemas.microsoft.com/office/mac/drawingml/2011/main" val="1"/>
+              <ma14:placeholderFlag xmlns:ma14="http://schemas.microsoft.com/office/mac/drawingml/2011/main" xmlns="" val="1"/>
             </a:ext>
             <a:ext uri="{909E8E84-426E-40dd-AFC4-6F175D3DCCD1}">
-              <a14:hiddenFill xmlns:a14="http://schemas.microsoft.com/office/drawing/2010/main" xmlns="">
+              <a14:hiddenFill xmlns="" xmlns:a14="http://schemas.microsoft.com/office/drawing/2010/main">
                 <a:solidFill>
                   <a:srgbClr val="FFFFFF"/>
                 </a:solidFill>
               </a14:hiddenFill>
             </a:ext>
             <a:ext uri="{91240B29-F687-4f45-9708-019B960494DF}">
-              <a14:hiddenLine xmlns:a14="http://schemas.microsoft.com/office/drawing/2010/main" xmlns="" w="9525">
+              <a14:hiddenLine xmlns="" xmlns:a14="http://schemas.microsoft.com/office/drawing/2010/main" w="9525">
                 <a:solidFill>
                   <a:srgbClr val="000000"/>
                 </a:solidFill>
@@ -4842,17 +4842,17 @@
           </a:ln>
           <a:extLst>
             <a:ext uri="{FAA26D3D-D897-4be2-8F04-BA451C77F1D7}">
-              <ma14:placeholderFlag xmlns="" xmlns:ma14="http://schemas.microsoft.com/office/mac/drawingml/2011/main" val="1"/>
+              <ma14:placeholderFlag xmlns:ma14="http://schemas.microsoft.com/office/mac/drawingml/2011/main" xmlns="" val="1"/>
             </a:ext>
             <a:ext uri="{909E8E84-426E-40dd-AFC4-6F175D3DCCD1}">
-              <a14:hiddenFill xmlns:a14="http://schemas.microsoft.com/office/drawing/2010/main" xmlns="">
+              <a14:hiddenFill xmlns="" xmlns:a14="http://schemas.microsoft.com/office/drawing/2010/main">
                 <a:solidFill>
                   <a:srgbClr val="FFFFFF"/>
                 </a:solidFill>
               </a14:hiddenFill>
             </a:ext>
             <a:ext uri="{91240B29-F687-4f45-9708-019B960494DF}">
-              <a14:hiddenLine xmlns:a14="http://schemas.microsoft.com/office/drawing/2010/main" xmlns="" w="9525">
+              <a14:hiddenLine xmlns="" xmlns:a14="http://schemas.microsoft.com/office/drawing/2010/main" w="9525">
                 <a:solidFill>
                   <a:srgbClr val="000000"/>
                 </a:solidFill>
@@ -4900,17 +4900,17 @@
           </a:ln>
           <a:extLst>
             <a:ext uri="{FAA26D3D-D897-4be2-8F04-BA451C77F1D7}">
-              <ma14:placeholderFlag xmlns="" xmlns:ma14="http://schemas.microsoft.com/office/mac/drawingml/2011/main" val="1"/>
+              <ma14:placeholderFlag xmlns:ma14="http://schemas.microsoft.com/office/mac/drawingml/2011/main" xmlns="" val="1"/>
             </a:ext>
             <a:ext uri="{909E8E84-426E-40dd-AFC4-6F175D3DCCD1}">
-              <a14:hiddenFill xmlns:a14="http://schemas.microsoft.com/office/drawing/2010/main" xmlns="">
+              <a14:hiddenFill xmlns="" xmlns:a14="http://schemas.microsoft.com/office/drawing/2010/main">
                 <a:solidFill>
                   <a:srgbClr val="FFFFFF"/>
                 </a:solidFill>
               </a14:hiddenFill>
             </a:ext>
             <a:ext uri="{91240B29-F687-4f45-9708-019B960494DF}">
-              <a14:hiddenLine xmlns:a14="http://schemas.microsoft.com/office/drawing/2010/main" xmlns="" w="9525">
+              <a14:hiddenLine xmlns="" xmlns:a14="http://schemas.microsoft.com/office/drawing/2010/main" w="9525">
                 <a:solidFill>
                   <a:srgbClr val="000000"/>
                 </a:solidFill>
@@ -4973,14 +4973,14 @@
           </a:ln>
           <a:extLst>
             <a:ext uri="{909E8E84-426E-40dd-AFC4-6F175D3DCCD1}">
-              <a14:hiddenFill xmlns:a14="http://schemas.microsoft.com/office/drawing/2010/main" xmlns="">
+              <a14:hiddenFill xmlns="" xmlns:a14="http://schemas.microsoft.com/office/drawing/2010/main">
                 <a:solidFill>
                   <a:srgbClr val="FFFFFF"/>
                 </a:solidFill>
               </a14:hiddenFill>
             </a:ext>
             <a:ext uri="{91240B29-F687-4f45-9708-019B960494DF}">
-              <a14:hiddenLine xmlns:a14="http://schemas.microsoft.com/office/drawing/2010/main" xmlns="" w="9525">
+              <a14:hiddenLine xmlns="" xmlns:a14="http://schemas.microsoft.com/office/drawing/2010/main" w="9525">
                 <a:solidFill>
                   <a:srgbClr val="000000"/>
                 </a:solidFill>
@@ -5796,7 +5796,7 @@
             </a:r>
             <a:r>
               <a:rPr lang="en-US" dirty="0" err="1"/>
-              <a:t>chatops</a:t>
+              <a:t>ChatOps</a:t>
             </a:r>
             <a:endParaRPr lang="en-US" dirty="0"/>
           </a:p>
@@ -6055,7 +6055,7 @@
                   <a:schemeClr val="tx2"/>
                 </a:solidFill>
               </a:rPr>
-              <a:t>Do we all use and love Slack?</a:t>
+              <a:t>Do we use and love Slack?</a:t>
             </a:r>
           </a:p>
         </p:txBody>
@@ -6118,17 +6118,17 @@
           </a:ln>
           <a:extLst>
             <a:ext uri="{FAA26D3D-D897-4be2-8F04-BA451C77F1D7}">
-              <ma14:placeholderFlag xmlns="" xmlns:ma14="http://schemas.microsoft.com/office/mac/drawingml/2011/main" val="1"/>
+              <ma14:placeholderFlag xmlns:ma14="http://schemas.microsoft.com/office/mac/drawingml/2011/main" xmlns="" val="1"/>
             </a:ext>
             <a:ext uri="{909E8E84-426E-40dd-AFC4-6F175D3DCCD1}">
-              <a14:hiddenFill xmlns:a14="http://schemas.microsoft.com/office/drawing/2010/main" xmlns="">
+              <a14:hiddenFill xmlns="" xmlns:a14="http://schemas.microsoft.com/office/drawing/2010/main">
                 <a:solidFill>
                   <a:srgbClr val="FFFFFF"/>
                 </a:solidFill>
               </a14:hiddenFill>
             </a:ext>
             <a:ext uri="{91240B29-F687-4f45-9708-019B960494DF}">
-              <a14:hiddenLine xmlns:a14="http://schemas.microsoft.com/office/drawing/2010/main" xmlns="" w="9525">
+              <a14:hiddenLine xmlns="" xmlns:a14="http://schemas.microsoft.com/office/drawing/2010/main" w="9525">
                 <a:solidFill>
                   <a:srgbClr val="000000"/>
                 </a:solidFill>
@@ -6293,7 +6293,7 @@
                   <a:schemeClr val="tx2"/>
                 </a:solidFill>
               </a:rPr>
-              <a:t>Do we all have to use Teams?</a:t>
+              <a:t>Do we have to use Teams?</a:t>
             </a:r>
           </a:p>
         </p:txBody>
@@ -6629,7 +6629,7 @@
             </a:pPr>
             <a:r>
               <a:rPr lang="en-GB" dirty="0"/>
-              <a:t>Emailing channels</a:t>
+              <a:t>Emailing channels (a bit rubbish)</a:t>
             </a:r>
           </a:p>
           <a:p>
@@ -6791,7 +6791,10 @@
               <a:rPr lang="en-GB" dirty="0" err="1"/>
               <a:t>Zapier</a:t>
             </a:r>
-            <a:endParaRPr lang="en-GB" dirty="0"/>
+            <a:r>
+              <a:rPr lang="en-GB" dirty="0"/>
+              <a:t> (Webform)</a:t>
+            </a:r>
           </a:p>
           <a:p>
             <a:pPr lvl="1">
